--- a/ESTUDO PARA REDUÇÃO DE FILAS NO FERRY BOAT.pptx
+++ b/ESTUDO PARA REDUÇÃO DE FILAS NO FERRY BOAT.pptx
@@ -21,23 +21,25 @@
     <p:sldId id="266" r:id="rId16"/>
     <p:sldId id="267" r:id="rId17"/>
     <p:sldId id="268" r:id="rId18"/>
+    <p:sldId id="269" r:id="rId19"/>
+    <p:sldId id="270" r:id="rId20"/>
   </p:sldIdLst>
   <p:sldSz cy="5143500" cx="9144000"/>
   <p:notesSz cx="6858000" cy="9144000"/>
   <p:embeddedFontLst>
     <p:embeddedFont>
       <p:font typeface="Economica"/>
-      <p:regular r:id="rId19"/>
-      <p:bold r:id="rId20"/>
-      <p:italic r:id="rId21"/>
-      <p:boldItalic r:id="rId22"/>
+      <p:regular r:id="rId21"/>
+      <p:bold r:id="rId22"/>
+      <p:italic r:id="rId23"/>
+      <p:boldItalic r:id="rId24"/>
     </p:embeddedFont>
     <p:embeddedFont>
       <p:font typeface="Open Sans"/>
-      <p:regular r:id="rId23"/>
-      <p:bold r:id="rId24"/>
-      <p:italic r:id="rId25"/>
-      <p:boldItalic r:id="rId26"/>
+      <p:regular r:id="rId25"/>
+      <p:bold r:id="rId26"/>
+      <p:italic r:id="rId27"/>
+      <p:boldItalic r:id="rId28"/>
     </p:embeddedFont>
   </p:embeddedFontLst>
   <p:defaultTextStyle>
@@ -589,7 +591,7 @@
   <p:cSld>
     <p:spTree>
       <p:nvGrpSpPr>
-        <p:cNvPr id="120" name="Shape 120"/>
+        <p:cNvPr id="119" name="Shape 119"/>
         <p:cNvGrpSpPr/>
         <p:nvPr/>
       </p:nvGrpSpPr>
@@ -603,7 +605,7 @@
       </p:grpSpPr>
       <p:sp>
         <p:nvSpPr>
-          <p:cNvPr id="121" name="Shape 121"/>
+          <p:cNvPr id="120" name="Shape 120"/>
           <p:cNvSpPr/>
           <p:nvPr>
             <p:ph idx="2" type="sldImg"/>
@@ -637,7 +639,7 @@
       </p:sp>
       <p:sp>
         <p:nvSpPr>
-          <p:cNvPr id="122" name="Shape 122"/>
+          <p:cNvPr id="121" name="Shape 121"/>
           <p:cNvSpPr txBox="1"/>
           <p:nvPr>
             <p:ph idx="1" type="body"/>
@@ -684,7 +686,7 @@
   <p:cSld>
     <p:spTree>
       <p:nvGrpSpPr>
-        <p:cNvPr id="126" name="Shape 126"/>
+        <p:cNvPr id="125" name="Shape 125"/>
         <p:cNvGrpSpPr/>
         <p:nvPr/>
       </p:nvGrpSpPr>
@@ -698,7 +700,7 @@
       </p:grpSpPr>
       <p:sp>
         <p:nvSpPr>
-          <p:cNvPr id="127" name="Shape 127"/>
+          <p:cNvPr id="126" name="Shape 126"/>
           <p:cNvSpPr/>
           <p:nvPr>
             <p:ph idx="2" type="sldImg"/>
@@ -732,7 +734,7 @@
       </p:sp>
       <p:sp>
         <p:nvSpPr>
-          <p:cNvPr id="128" name="Shape 128"/>
+          <p:cNvPr id="127" name="Shape 127"/>
           <p:cNvSpPr txBox="1"/>
           <p:nvPr>
             <p:ph idx="1" type="body"/>
@@ -869,6 +871,196 @@
 </p:notes>
 </file>
 
+<file path=ppt/notesSlides/notesSlide14.xml><?xml version="1.0" encoding="utf-8"?>
+<p:notes xmlns:a="http://schemas.openxmlformats.org/drawingml/2006/main" xmlns:r="http://schemas.openxmlformats.org/officeDocument/2006/relationships" xmlns:mc="http://schemas.openxmlformats.org/markup-compatibility/2006" xmlns:mv="urn:schemas-microsoft-com:mac:vml" xmlns:p="http://schemas.openxmlformats.org/presentationml/2006/main" xmlns:c="http://schemas.openxmlformats.org/drawingml/2006/chart" xmlns:dgm="http://schemas.openxmlformats.org/drawingml/2006/diagram" xmlns:o="urn:schemas-microsoft-com:office:office" xmlns:v="urn:schemas-microsoft-com:vml" xmlns:pvml="urn:schemas-microsoft-com:office:powerpoint" xmlns:com="http://schemas.openxmlformats.org/drawingml/2006/compatibility" xmlns:p14="http://schemas.microsoft.com/office/powerpoint/2010/main" showMasterPhAnim="0" showMasterSp="0">
+  <p:cSld>
+    <p:spTree>
+      <p:nvGrpSpPr>
+        <p:cNvPr id="138" name="Shape 138"/>
+        <p:cNvGrpSpPr/>
+        <p:nvPr/>
+      </p:nvGrpSpPr>
+      <p:grpSpPr>
+        <a:xfrm>
+          <a:off x="0" y="0"/>
+          <a:ext cx="0" cy="0"/>
+          <a:chOff x="0" y="0"/>
+          <a:chExt cx="0" cy="0"/>
+        </a:xfrm>
+      </p:grpSpPr>
+      <p:sp>
+        <p:nvSpPr>
+          <p:cNvPr id="139" name="Shape 139"/>
+          <p:cNvSpPr/>
+          <p:nvPr>
+            <p:ph idx="2" type="sldImg"/>
+          </p:nvPr>
+        </p:nvSpPr>
+        <p:spPr>
+          <a:xfrm>
+            <a:off x="381300" y="685800"/>
+            <a:ext cx="6096000" cy="3429000"/>
+          </a:xfrm>
+          <a:custGeom>
+            <a:pathLst>
+              <a:path extrusionOk="0" h="120000" w="120000">
+                <a:moveTo>
+                  <a:pt x="0" y="0"/>
+                </a:moveTo>
+                <a:lnTo>
+                  <a:pt x="120000" y="0"/>
+                </a:lnTo>
+                <a:lnTo>
+                  <a:pt x="120000" y="120000"/>
+                </a:lnTo>
+                <a:lnTo>
+                  <a:pt x="0" y="120000"/>
+                </a:lnTo>
+                <a:close/>
+              </a:path>
+            </a:pathLst>
+          </a:custGeom>
+        </p:spPr>
+      </p:sp>
+      <p:sp>
+        <p:nvSpPr>
+          <p:cNvPr id="140" name="Shape 140"/>
+          <p:cNvSpPr txBox="1"/>
+          <p:nvPr>
+            <p:ph idx="1" type="body"/>
+          </p:nvPr>
+        </p:nvSpPr>
+        <p:spPr>
+          <a:xfrm>
+            <a:off x="685800" y="4343400"/>
+            <a:ext cx="5486400" cy="4114800"/>
+          </a:xfrm>
+          <a:prstGeom prst="rect">
+            <a:avLst/>
+          </a:prstGeom>
+        </p:spPr>
+        <p:txBody>
+          <a:bodyPr anchorCtr="0" anchor="t" bIns="91425" lIns="91425" rIns="91425" tIns="91425">
+            <a:noAutofit/>
+          </a:bodyPr>
+          <a:lstStyle/>
+          <a:p>
+            <a:pPr lvl="0">
+              <a:spcBef>
+                <a:spcPts val="0"/>
+              </a:spcBef>
+              <a:buNone/>
+            </a:pPr>
+            <a:r>
+              <a:t/>
+            </a:r>
+            <a:endParaRPr/>
+          </a:p>
+        </p:txBody>
+      </p:sp>
+    </p:spTree>
+  </p:cSld>
+  <p:clrMapOvr>
+    <a:masterClrMapping/>
+  </p:clrMapOvr>
+</p:notes>
+</file>
+
+<file path=ppt/notesSlides/notesSlide15.xml><?xml version="1.0" encoding="utf-8"?>
+<p:notes xmlns:a="http://schemas.openxmlformats.org/drawingml/2006/main" xmlns:r="http://schemas.openxmlformats.org/officeDocument/2006/relationships" xmlns:mc="http://schemas.openxmlformats.org/markup-compatibility/2006" xmlns:mv="urn:schemas-microsoft-com:mac:vml" xmlns:p="http://schemas.openxmlformats.org/presentationml/2006/main" xmlns:c="http://schemas.openxmlformats.org/drawingml/2006/chart" xmlns:dgm="http://schemas.openxmlformats.org/drawingml/2006/diagram" xmlns:o="urn:schemas-microsoft-com:office:office" xmlns:v="urn:schemas-microsoft-com:vml" xmlns:pvml="urn:schemas-microsoft-com:office:powerpoint" xmlns:com="http://schemas.openxmlformats.org/drawingml/2006/compatibility" xmlns:p14="http://schemas.microsoft.com/office/powerpoint/2010/main" showMasterPhAnim="0" showMasterSp="0">
+  <p:cSld>
+    <p:spTree>
+      <p:nvGrpSpPr>
+        <p:cNvPr id="144" name="Shape 144"/>
+        <p:cNvGrpSpPr/>
+        <p:nvPr/>
+      </p:nvGrpSpPr>
+      <p:grpSpPr>
+        <a:xfrm>
+          <a:off x="0" y="0"/>
+          <a:ext cx="0" cy="0"/>
+          <a:chOff x="0" y="0"/>
+          <a:chExt cx="0" cy="0"/>
+        </a:xfrm>
+      </p:grpSpPr>
+      <p:sp>
+        <p:nvSpPr>
+          <p:cNvPr id="145" name="Shape 145"/>
+          <p:cNvSpPr/>
+          <p:nvPr>
+            <p:ph idx="2" type="sldImg"/>
+          </p:nvPr>
+        </p:nvSpPr>
+        <p:spPr>
+          <a:xfrm>
+            <a:off x="381300" y="685800"/>
+            <a:ext cx="6096000" cy="3429000"/>
+          </a:xfrm>
+          <a:custGeom>
+            <a:pathLst>
+              <a:path extrusionOk="0" h="120000" w="120000">
+                <a:moveTo>
+                  <a:pt x="0" y="0"/>
+                </a:moveTo>
+                <a:lnTo>
+                  <a:pt x="120000" y="0"/>
+                </a:lnTo>
+                <a:lnTo>
+                  <a:pt x="120000" y="120000"/>
+                </a:lnTo>
+                <a:lnTo>
+                  <a:pt x="0" y="120000"/>
+                </a:lnTo>
+                <a:close/>
+              </a:path>
+            </a:pathLst>
+          </a:custGeom>
+        </p:spPr>
+      </p:sp>
+      <p:sp>
+        <p:nvSpPr>
+          <p:cNvPr id="146" name="Shape 146"/>
+          <p:cNvSpPr txBox="1"/>
+          <p:nvPr>
+            <p:ph idx="1" type="body"/>
+          </p:nvPr>
+        </p:nvSpPr>
+        <p:spPr>
+          <a:xfrm>
+            <a:off x="685800" y="4343400"/>
+            <a:ext cx="5486400" cy="4114800"/>
+          </a:xfrm>
+          <a:prstGeom prst="rect">
+            <a:avLst/>
+          </a:prstGeom>
+        </p:spPr>
+        <p:txBody>
+          <a:bodyPr anchorCtr="0" anchor="t" bIns="91425" lIns="91425" rIns="91425" tIns="91425">
+            <a:noAutofit/>
+          </a:bodyPr>
+          <a:lstStyle/>
+          <a:p>
+            <a:pPr lvl="0">
+              <a:spcBef>
+                <a:spcPts val="0"/>
+              </a:spcBef>
+              <a:buNone/>
+            </a:pPr>
+            <a:r>
+              <a:t/>
+            </a:r>
+            <a:endParaRPr/>
+          </a:p>
+        </p:txBody>
+      </p:sp>
+    </p:spTree>
+  </p:cSld>
+  <p:clrMapOvr>
+    <a:masterClrMapping/>
+  </p:clrMapOvr>
+</p:notes>
+</file>
+
 <file path=ppt/notesSlides/notesSlide2.xml><?xml version="1.0" encoding="utf-8"?>
 <p:notes xmlns:a="http://schemas.openxmlformats.org/drawingml/2006/main" xmlns:r="http://schemas.openxmlformats.org/officeDocument/2006/relationships" xmlns:mc="http://schemas.openxmlformats.org/markup-compatibility/2006" xmlns:mv="urn:schemas-microsoft-com:mac:vml" xmlns:p="http://schemas.openxmlformats.org/presentationml/2006/main" xmlns:c="http://schemas.openxmlformats.org/drawingml/2006/chart" xmlns:dgm="http://schemas.openxmlformats.org/drawingml/2006/diagram" xmlns:o="urn:schemas-microsoft-com:office:office" xmlns:v="urn:schemas-microsoft-com:vml" xmlns:pvml="urn:schemas-microsoft-com:office:powerpoint" xmlns:com="http://schemas.openxmlformats.org/drawingml/2006/compatibility" xmlns:p14="http://schemas.microsoft.com/office/powerpoint/2010/main" showMasterPhAnim="0" showMasterSp="0">
   <p:cSld>
@@ -1349,7 +1541,7 @@
   <p:cSld>
     <p:spTree>
       <p:nvGrpSpPr>
-        <p:cNvPr id="95" name="Shape 95"/>
+        <p:cNvPr id="94" name="Shape 94"/>
         <p:cNvGrpSpPr/>
         <p:nvPr/>
       </p:nvGrpSpPr>
@@ -1363,7 +1555,7 @@
       </p:grpSpPr>
       <p:sp>
         <p:nvSpPr>
-          <p:cNvPr id="96" name="Shape 96"/>
+          <p:cNvPr id="95" name="Shape 95"/>
           <p:cNvSpPr/>
           <p:nvPr>
             <p:ph idx="2" type="sldImg"/>
@@ -1397,7 +1589,7 @@
       </p:sp>
       <p:sp>
         <p:nvSpPr>
-          <p:cNvPr id="97" name="Shape 97"/>
+          <p:cNvPr id="96" name="Shape 96"/>
           <p:cNvSpPr txBox="1"/>
           <p:nvPr>
             <p:ph idx="1" type="body"/>
@@ -1444,7 +1636,7 @@
   <p:cSld>
     <p:spTree>
       <p:nvGrpSpPr>
-        <p:cNvPr id="101" name="Shape 101"/>
+        <p:cNvPr id="100" name="Shape 100"/>
         <p:cNvGrpSpPr/>
         <p:nvPr/>
       </p:nvGrpSpPr>
@@ -1458,7 +1650,7 @@
       </p:grpSpPr>
       <p:sp>
         <p:nvSpPr>
-          <p:cNvPr id="102" name="Shape 102"/>
+          <p:cNvPr id="101" name="Shape 101"/>
           <p:cNvSpPr/>
           <p:nvPr>
             <p:ph idx="2" type="sldImg"/>
@@ -1492,7 +1684,7 @@
       </p:sp>
       <p:sp>
         <p:nvSpPr>
-          <p:cNvPr id="103" name="Shape 103"/>
+          <p:cNvPr id="102" name="Shape 102"/>
           <p:cNvSpPr txBox="1"/>
           <p:nvPr>
             <p:ph idx="1" type="body"/>
@@ -5641,6 +5833,267 @@
             </a:pPr>
             <a:r>
               <a:rPr lang="en"/>
+              <a:t>Motivação Pessoal</a:t>
+            </a:r>
+          </a:p>
+        </p:txBody>
+      </p:sp>
+      <p:sp>
+        <p:nvSpPr>
+          <p:cNvPr id="118" name="Shape 118"/>
+          <p:cNvSpPr txBox="1"/>
+          <p:nvPr>
+            <p:ph idx="1" type="body"/>
+          </p:nvPr>
+        </p:nvSpPr>
+        <p:spPr>
+          <a:xfrm>
+            <a:off x="311700" y="1225225"/>
+            <a:ext cx="8520600" cy="3354000"/>
+          </a:xfrm>
+          <a:prstGeom prst="rect">
+            <a:avLst/>
+          </a:prstGeom>
+        </p:spPr>
+        <p:txBody>
+          <a:bodyPr anchorCtr="0" anchor="t" bIns="91425" lIns="91425" rIns="91425" tIns="91425">
+            <a:noAutofit/>
+          </a:bodyPr>
+          <a:lstStyle/>
+          <a:p>
+            <a:pPr indent="-228600" lvl="0" marL="457200" rtl="0">
+              <a:spcBef>
+                <a:spcPts val="0"/>
+              </a:spcBef>
+            </a:pPr>
+            <a:r>
+              <a:rPr lang="en"/>
+              <a:t>Utilização frequente da travessia;</a:t>
+            </a:r>
+          </a:p>
+          <a:p>
+            <a:pPr lvl="0" rtl="0">
+              <a:spcBef>
+                <a:spcPts val="0"/>
+              </a:spcBef>
+              <a:buNone/>
+            </a:pPr>
+            <a:r>
+              <a:t/>
+            </a:r>
+            <a:endParaRPr/>
+          </a:p>
+          <a:p>
+            <a:pPr indent="-228600" lvl="0" marL="457200" rtl="0">
+              <a:spcBef>
+                <a:spcPts val="0"/>
+              </a:spcBef>
+            </a:pPr>
+            <a:r>
+              <a:rPr lang="en"/>
+              <a:t>Utilização diária das BR;</a:t>
+            </a:r>
+          </a:p>
+          <a:p>
+            <a:pPr lvl="0" rtl="0">
+              <a:spcBef>
+                <a:spcPts val="0"/>
+              </a:spcBef>
+              <a:buNone/>
+            </a:pPr>
+            <a:r>
+              <a:t/>
+            </a:r>
+            <a:endParaRPr/>
+          </a:p>
+          <a:p>
+            <a:pPr indent="-228600" lvl="0" marL="457200" rtl="0">
+              <a:spcBef>
+                <a:spcPts val="0"/>
+              </a:spcBef>
+            </a:pPr>
+            <a:r>
+              <a:rPr lang="en"/>
+              <a:t>Familiares que trabalham no local e relataram os problemas;</a:t>
+            </a:r>
+          </a:p>
+        </p:txBody>
+      </p:sp>
+    </p:spTree>
+  </p:cSld>
+  <p:clrMapOvr>
+    <a:masterClrMapping/>
+  </p:clrMapOvr>
+</p:sld>
+</file>
+
+<file path=ppt/slides/slide11.xml><?xml version="1.0" encoding="utf-8"?>
+<p:sld xmlns:a="http://schemas.openxmlformats.org/drawingml/2006/main" xmlns:r="http://schemas.openxmlformats.org/officeDocument/2006/relationships" xmlns:mc="http://schemas.openxmlformats.org/markup-compatibility/2006" xmlns:mv="urn:schemas-microsoft-com:mac:vml" xmlns:p="http://schemas.openxmlformats.org/presentationml/2006/main" xmlns:c="http://schemas.openxmlformats.org/drawingml/2006/chart" xmlns:dgm="http://schemas.openxmlformats.org/drawingml/2006/diagram" xmlns:o="urn:schemas-microsoft-com:office:office" xmlns:v="urn:schemas-microsoft-com:vml" xmlns:pvml="urn:schemas-microsoft-com:office:powerpoint" xmlns:com="http://schemas.openxmlformats.org/drawingml/2006/compatibility" xmlns:p14="http://schemas.microsoft.com/office/powerpoint/2010/main">
+  <p:cSld>
+    <p:spTree>
+      <p:nvGrpSpPr>
+        <p:cNvPr id="122" name="Shape 122"/>
+        <p:cNvGrpSpPr/>
+        <p:nvPr/>
+      </p:nvGrpSpPr>
+      <p:grpSpPr>
+        <a:xfrm>
+          <a:off x="0" y="0"/>
+          <a:ext cx="0" cy="0"/>
+          <a:chOff x="0" y="0"/>
+          <a:chExt cx="0" cy="0"/>
+        </a:xfrm>
+      </p:grpSpPr>
+      <p:sp>
+        <p:nvSpPr>
+          <p:cNvPr id="123" name="Shape 123"/>
+          <p:cNvSpPr txBox="1"/>
+          <p:nvPr>
+            <p:ph type="title"/>
+          </p:nvPr>
+        </p:nvSpPr>
+        <p:spPr>
+          <a:xfrm>
+            <a:off x="311700" y="315925"/>
+            <a:ext cx="8520600" cy="831300"/>
+          </a:xfrm>
+          <a:prstGeom prst="rect">
+            <a:avLst/>
+          </a:prstGeom>
+        </p:spPr>
+        <p:txBody>
+          <a:bodyPr anchorCtr="0" anchor="b" bIns="91425" lIns="91425" rIns="91425" tIns="91425">
+            <a:noAutofit/>
+          </a:bodyPr>
+          <a:lstStyle/>
+          <a:p>
+            <a:pPr lvl="0">
+              <a:spcBef>
+                <a:spcPts val="0"/>
+              </a:spcBef>
+              <a:buNone/>
+            </a:pPr>
+            <a:r>
+              <a:rPr lang="en"/>
+              <a:t>Impacto Social</a:t>
+            </a:r>
+          </a:p>
+        </p:txBody>
+      </p:sp>
+      <p:sp>
+        <p:nvSpPr>
+          <p:cNvPr id="124" name="Shape 124"/>
+          <p:cNvSpPr txBox="1"/>
+          <p:nvPr>
+            <p:ph idx="1" type="body"/>
+          </p:nvPr>
+        </p:nvSpPr>
+        <p:spPr>
+          <a:xfrm>
+            <a:off x="311700" y="1225225"/>
+            <a:ext cx="8520600" cy="3354000"/>
+          </a:xfrm>
+          <a:prstGeom prst="rect">
+            <a:avLst/>
+          </a:prstGeom>
+        </p:spPr>
+        <p:txBody>
+          <a:bodyPr anchorCtr="0" anchor="t" bIns="91425" lIns="91425" rIns="91425" tIns="91425">
+            <a:noAutofit/>
+          </a:bodyPr>
+          <a:lstStyle/>
+          <a:p>
+            <a:pPr indent="-228600" lvl="0" marL="457200" rtl="0">
+              <a:spcBef>
+                <a:spcPts val="0"/>
+              </a:spcBef>
+            </a:pPr>
+            <a:r>
+              <a:rPr lang="en"/>
+              <a:t>O problema apresentado atrapalha a rotina de todos os envolvidos principalmente no verão, sejam trabalhadores, turistas, estudantes e etc;</a:t>
+            </a:r>
+          </a:p>
+          <a:p>
+            <a:pPr lvl="0" rtl="0">
+              <a:spcBef>
+                <a:spcPts val="0"/>
+              </a:spcBef>
+              <a:buNone/>
+            </a:pPr>
+            <a:r>
+              <a:t/>
+            </a:r>
+            <a:endParaRPr/>
+          </a:p>
+          <a:p>
+            <a:pPr indent="-228600" lvl="0" marL="457200" rtl="0">
+              <a:spcBef>
+                <a:spcPts val="0"/>
+              </a:spcBef>
+            </a:pPr>
+            <a:r>
+              <a:rPr lang="en"/>
+              <a:t>Uma redução nas filas proporcionaria uma reação em cadeia em todo o fluxo da cidade;</a:t>
+            </a:r>
+          </a:p>
+        </p:txBody>
+      </p:sp>
+    </p:spTree>
+  </p:cSld>
+  <p:clrMapOvr>
+    <a:masterClrMapping/>
+  </p:clrMapOvr>
+</p:sld>
+</file>
+
+<file path=ppt/slides/slide12.xml><?xml version="1.0" encoding="utf-8"?>
+<p:sld xmlns:a="http://schemas.openxmlformats.org/drawingml/2006/main" xmlns:r="http://schemas.openxmlformats.org/officeDocument/2006/relationships" xmlns:mc="http://schemas.openxmlformats.org/markup-compatibility/2006" xmlns:mv="urn:schemas-microsoft-com:mac:vml" xmlns:p="http://schemas.openxmlformats.org/presentationml/2006/main" xmlns:c="http://schemas.openxmlformats.org/drawingml/2006/chart" xmlns:dgm="http://schemas.openxmlformats.org/drawingml/2006/diagram" xmlns:o="urn:schemas-microsoft-com:office:office" xmlns:v="urn:schemas-microsoft-com:vml" xmlns:pvml="urn:schemas-microsoft-com:office:powerpoint" xmlns:com="http://schemas.openxmlformats.org/drawingml/2006/compatibility" xmlns:p14="http://schemas.microsoft.com/office/powerpoint/2010/main">
+  <p:cSld>
+    <p:spTree>
+      <p:nvGrpSpPr>
+        <p:cNvPr id="128" name="Shape 128"/>
+        <p:cNvGrpSpPr/>
+        <p:nvPr/>
+      </p:nvGrpSpPr>
+      <p:grpSpPr>
+        <a:xfrm>
+          <a:off x="0" y="0"/>
+          <a:ext cx="0" cy="0"/>
+          <a:chOff x="0" y="0"/>
+          <a:chExt cx="0" cy="0"/>
+        </a:xfrm>
+      </p:grpSpPr>
+      <p:sp>
+        <p:nvSpPr>
+          <p:cNvPr id="129" name="Shape 129"/>
+          <p:cNvSpPr txBox="1"/>
+          <p:nvPr>
+            <p:ph type="title"/>
+          </p:nvPr>
+        </p:nvSpPr>
+        <p:spPr>
+          <a:xfrm>
+            <a:off x="311700" y="315925"/>
+            <a:ext cx="8520600" cy="831300"/>
+          </a:xfrm>
+          <a:prstGeom prst="rect">
+            <a:avLst/>
+          </a:prstGeom>
+        </p:spPr>
+        <p:txBody>
+          <a:bodyPr anchorCtr="0" anchor="b" bIns="91425" lIns="91425" rIns="91425" tIns="91425">
+            <a:noAutofit/>
+          </a:bodyPr>
+          <a:lstStyle/>
+          <a:p>
+            <a:pPr lvl="0">
+              <a:spcBef>
+                <a:spcPts val="0"/>
+              </a:spcBef>
+              <a:buNone/>
+            </a:pPr>
+            <a:r>
+              <a:rPr lang="en"/>
               <a:t>Análise do Problema</a:t>
             </a:r>
           </a:p>
@@ -5648,7 +6101,7 @@
       </p:sp>
       <p:sp>
         <p:nvSpPr>
-          <p:cNvPr id="118" name="Shape 118"/>
+          <p:cNvPr id="130" name="Shape 130"/>
           <p:cNvSpPr txBox="1"/>
           <p:nvPr>
             <p:ph idx="1" type="body"/>
@@ -5694,7 +6147,7 @@
       </p:sp>
       <p:graphicFrame>
         <p:nvGraphicFramePr>
-          <p:cNvPr id="119" name="Shape 119"/>
+          <p:cNvPr id="131" name="Shape 131"/>
           <p:cNvGraphicFramePr/>
           <p:nvPr/>
         </p:nvGraphicFramePr>
@@ -5707,7 +6160,7 @@
             <a:tbl>
               <a:tblPr>
                 <a:noFill/>
-                <a:tableStyleId>{DE71D112-B003-4A03-B15F-263DC69B3AEF}</a:tableStyleId>
+                <a:tableStyleId>{C512E846-A763-41E9-98F6-7F56F1C81EAE}</a:tableStyleId>
               </a:tblPr>
               <a:tblGrid>
                 <a:gridCol w="609600"/>
@@ -5726,7 +6179,7 @@
                     </a:bodyPr>
                     <a:lstStyle/>
                     <a:p>
-                      <a:pPr lvl="0" rtl="0">
+                      <a:pPr lvl="0" rtl="0" algn="ctr">
                         <a:spcBef>
                           <a:spcPts val="0"/>
                         </a:spcBef>
@@ -5784,7 +6237,7 @@
                     </a:bodyPr>
                     <a:lstStyle/>
                     <a:p>
-                      <a:pPr lvl="0" rtl="0">
+                      <a:pPr lvl="0" rtl="0" algn="ctr">
                         <a:spcBef>
                           <a:spcPts val="0"/>
                         </a:spcBef>
@@ -5842,7 +6295,7 @@
                     </a:bodyPr>
                     <a:lstStyle/>
                     <a:p>
-                      <a:pPr lvl="0" rtl="0">
+                      <a:pPr lvl="0" rtl="0" algn="ctr">
                         <a:spcBef>
                           <a:spcPts val="0"/>
                         </a:spcBef>
@@ -5900,7 +6353,7 @@
                     </a:bodyPr>
                     <a:lstStyle/>
                     <a:p>
-                      <a:pPr lvl="0" rtl="0">
+                      <a:pPr lvl="0" rtl="0" algn="ctr">
                         <a:spcBef>
                           <a:spcPts val="0"/>
                         </a:spcBef>
@@ -5958,7 +6411,7 @@
                     </a:bodyPr>
                     <a:lstStyle/>
                     <a:p>
-                      <a:pPr lvl="0" rtl="0">
+                      <a:pPr lvl="0" rtl="0" algn="ctr">
                         <a:spcBef>
                           <a:spcPts val="0"/>
                         </a:spcBef>
@@ -6016,7 +6469,7 @@
                     </a:bodyPr>
                     <a:lstStyle/>
                     <a:p>
-                      <a:pPr lvl="0" rtl="0">
+                      <a:pPr lvl="0" rtl="0" algn="ctr">
                         <a:spcBef>
                           <a:spcPts val="0"/>
                         </a:spcBef>
@@ -6074,7 +6527,7 @@
                     </a:bodyPr>
                     <a:lstStyle/>
                     <a:p>
-                      <a:pPr lvl="0" rtl="0">
+                      <a:pPr lvl="0" rtl="0" algn="ctr">
                         <a:spcBef>
                           <a:spcPts val="0"/>
                         </a:spcBef>
@@ -6134,7 +6587,7 @@
                     </a:bodyPr>
                     <a:lstStyle/>
                     <a:p>
-                      <a:pPr lvl="0" rtl="0">
+                      <a:pPr lvl="0" rtl="0" algn="ctr">
                         <a:spcBef>
                           <a:spcPts val="0"/>
                         </a:spcBef>
@@ -6192,7 +6645,7 @@
                     </a:bodyPr>
                     <a:lstStyle/>
                     <a:p>
-                      <a:pPr lvl="0" rtl="0">
+                      <a:pPr lvl="0" rtl="0" algn="ctr">
                         <a:spcBef>
                           <a:spcPts val="0"/>
                         </a:spcBef>
@@ -6250,7 +6703,7 @@
                     </a:bodyPr>
                     <a:lstStyle/>
                     <a:p>
-                      <a:pPr lvl="0" rtl="0">
+                      <a:pPr lvl="0" rtl="0" algn="ctr">
                         <a:spcBef>
                           <a:spcPts val="0"/>
                         </a:spcBef>
@@ -6308,7 +6761,7 @@
                     </a:bodyPr>
                     <a:lstStyle/>
                     <a:p>
-                      <a:pPr lvl="0" rtl="0">
+                      <a:pPr lvl="0" rtl="0" algn="ctr">
                         <a:spcBef>
                           <a:spcPts val="0"/>
                         </a:spcBef>
@@ -6366,7 +6819,7 @@
                     </a:bodyPr>
                     <a:lstStyle/>
                     <a:p>
-                      <a:pPr lvl="0" rtl="0">
+                      <a:pPr lvl="0" rtl="0" algn="ctr">
                         <a:spcBef>
                           <a:spcPts val="0"/>
                         </a:spcBef>
@@ -6424,7 +6877,7 @@
                     </a:bodyPr>
                     <a:lstStyle/>
                     <a:p>
-                      <a:pPr lvl="0" rtl="0">
+                      <a:pPr lvl="0" rtl="0" algn="ctr">
                         <a:spcBef>
                           <a:spcPts val="0"/>
                         </a:spcBef>
@@ -6482,7 +6935,7 @@
                     </a:bodyPr>
                     <a:lstStyle/>
                     <a:p>
-                      <a:pPr lvl="0" rtl="0">
+                      <a:pPr lvl="0" rtl="0" algn="ctr">
                         <a:spcBef>
                           <a:spcPts val="0"/>
                         </a:spcBef>
@@ -6542,7 +6995,7 @@
                     </a:bodyPr>
                     <a:lstStyle/>
                     <a:p>
-                      <a:pPr lvl="0" rtl="0">
+                      <a:pPr lvl="0" rtl="0" algn="ctr">
                         <a:spcBef>
                           <a:spcPts val="0"/>
                         </a:spcBef>
@@ -6600,7 +7053,7 @@
                     </a:bodyPr>
                     <a:lstStyle/>
                     <a:p>
-                      <a:pPr lvl="0" rtl="0">
+                      <a:pPr lvl="0" rtl="0" algn="ctr">
                         <a:spcBef>
                           <a:spcPts val="0"/>
                         </a:spcBef>
@@ -6658,7 +7111,7 @@
                     </a:bodyPr>
                     <a:lstStyle/>
                     <a:p>
-                      <a:pPr lvl="0" rtl="0">
+                      <a:pPr lvl="0" rtl="0" algn="ctr">
                         <a:spcBef>
                           <a:spcPts val="0"/>
                         </a:spcBef>
@@ -6716,7 +7169,7 @@
                     </a:bodyPr>
                     <a:lstStyle/>
                     <a:p>
-                      <a:pPr lvl="0" rtl="0">
+                      <a:pPr lvl="0" rtl="0" algn="ctr">
                         <a:spcBef>
                           <a:spcPts val="0"/>
                         </a:spcBef>
@@ -6774,7 +7227,7 @@
                     </a:bodyPr>
                     <a:lstStyle/>
                     <a:p>
-                      <a:pPr lvl="0" rtl="0">
+                      <a:pPr lvl="0" rtl="0" algn="ctr">
                         <a:spcBef>
                           <a:spcPts val="0"/>
                         </a:spcBef>
@@ -6832,7 +7285,7 @@
                     </a:bodyPr>
                     <a:lstStyle/>
                     <a:p>
-                      <a:pPr lvl="0" rtl="0">
+                      <a:pPr lvl="0" rtl="0" algn="ctr">
                         <a:spcBef>
                           <a:spcPts val="0"/>
                         </a:spcBef>
@@ -6890,7 +7343,7 @@
                     </a:bodyPr>
                     <a:lstStyle/>
                     <a:p>
-                      <a:pPr lvl="0" rtl="0">
+                      <a:pPr lvl="0" rtl="0" algn="ctr">
                         <a:spcBef>
                           <a:spcPts val="0"/>
                         </a:spcBef>
@@ -6950,7 +7403,7 @@
                     </a:bodyPr>
                     <a:lstStyle/>
                     <a:p>
-                      <a:pPr lvl="0" rtl="0">
+                      <a:pPr lvl="0" rtl="0" algn="ctr">
                         <a:spcBef>
                           <a:spcPts val="0"/>
                         </a:spcBef>
@@ -7008,7 +7461,7 @@
                     </a:bodyPr>
                     <a:lstStyle/>
                     <a:p>
-                      <a:pPr lvl="0" rtl="0">
+                      <a:pPr lvl="0" rtl="0" algn="ctr">
                         <a:spcBef>
                           <a:spcPts val="0"/>
                         </a:spcBef>
@@ -7066,7 +7519,7 @@
                     </a:bodyPr>
                     <a:lstStyle/>
                     <a:p>
-                      <a:pPr lvl="0" rtl="0">
+                      <a:pPr lvl="0" rtl="0" algn="ctr">
                         <a:spcBef>
                           <a:spcPts val="0"/>
                         </a:spcBef>
@@ -7124,7 +7577,7 @@
                     </a:bodyPr>
                     <a:lstStyle/>
                     <a:p>
-                      <a:pPr lvl="0" rtl="0">
+                      <a:pPr lvl="0" rtl="0" algn="ctr">
                         <a:spcBef>
                           <a:spcPts val="0"/>
                         </a:spcBef>
@@ -7182,7 +7635,7 @@
                     </a:bodyPr>
                     <a:lstStyle/>
                     <a:p>
-                      <a:pPr lvl="0" rtl="0">
+                      <a:pPr lvl="0" rtl="0" algn="ctr">
                         <a:spcBef>
                           <a:spcPts val="0"/>
                         </a:spcBef>
@@ -7240,7 +7693,7 @@
                     </a:bodyPr>
                     <a:lstStyle/>
                     <a:p>
-                      <a:pPr lvl="0" rtl="0">
+                      <a:pPr lvl="0" rtl="0" algn="ctr">
                         <a:spcBef>
                           <a:spcPts val="0"/>
                         </a:spcBef>
@@ -7298,7 +7751,7 @@
                     </a:bodyPr>
                     <a:lstStyle/>
                     <a:p>
-                      <a:pPr lvl="0" rtl="0">
+                      <a:pPr lvl="0" rtl="0" algn="ctr">
                         <a:spcBef>
                           <a:spcPts val="0"/>
                         </a:spcBef>
@@ -7358,7 +7811,7 @@
                     </a:bodyPr>
                     <a:lstStyle/>
                     <a:p>
-                      <a:pPr lvl="0" rtl="0">
+                      <a:pPr lvl="0" rtl="0" algn="ctr">
                         <a:spcBef>
                           <a:spcPts val="0"/>
                         </a:spcBef>
@@ -7416,7 +7869,7 @@
                     </a:bodyPr>
                     <a:lstStyle/>
                     <a:p>
-                      <a:pPr lvl="0" rtl="0">
+                      <a:pPr lvl="0" rtl="0" algn="ctr">
                         <a:spcBef>
                           <a:spcPts val="0"/>
                         </a:spcBef>
@@ -7474,7 +7927,7 @@
                     </a:bodyPr>
                     <a:lstStyle/>
                     <a:p>
-                      <a:pPr lvl="0" rtl="0">
+                      <a:pPr lvl="0" rtl="0" algn="ctr">
                         <a:spcBef>
                           <a:spcPts val="0"/>
                         </a:spcBef>
@@ -7532,7 +7985,7 @@
                     </a:bodyPr>
                     <a:lstStyle/>
                     <a:p>
-                      <a:pPr lvl="0" rtl="0">
+                      <a:pPr lvl="0" rtl="0" algn="ctr">
                         <a:spcBef>
                           <a:spcPts val="0"/>
                         </a:spcBef>
@@ -7590,7 +8043,7 @@
                     </a:bodyPr>
                     <a:lstStyle/>
                     <a:p>
-                      <a:pPr lvl="0" rtl="0">
+                      <a:pPr lvl="0" rtl="0" algn="ctr">
                         <a:spcBef>
                           <a:spcPts val="0"/>
                         </a:spcBef>
@@ -7648,7 +8101,7 @@
                     </a:bodyPr>
                     <a:lstStyle/>
                     <a:p>
-                      <a:pPr lvl="0" rtl="0">
+                      <a:pPr lvl="0" rtl="0" algn="ctr">
                         <a:spcBef>
                           <a:spcPts val="0"/>
                         </a:spcBef>
@@ -7706,7 +8159,7 @@
                     </a:bodyPr>
                     <a:lstStyle/>
                     <a:p>
-                      <a:pPr lvl="0" rtl="0">
+                      <a:pPr lvl="0" rtl="0" algn="ctr">
                         <a:spcBef>
                           <a:spcPts val="0"/>
                         </a:spcBef>
@@ -7766,7 +8219,7 @@
                     </a:bodyPr>
                     <a:lstStyle/>
                     <a:p>
-                      <a:pPr lvl="0" rtl="0">
+                      <a:pPr lvl="0" rtl="0" algn="ctr">
                         <a:spcBef>
                           <a:spcPts val="0"/>
                         </a:spcBef>
@@ -7824,7 +8277,7 @@
                     </a:bodyPr>
                     <a:lstStyle/>
                     <a:p>
-                      <a:pPr lvl="0" rtl="0">
+                      <a:pPr lvl="0" rtl="0" algn="ctr">
                         <a:spcBef>
                           <a:spcPts val="0"/>
                         </a:spcBef>
@@ -7882,7 +8335,7 @@
                     </a:bodyPr>
                     <a:lstStyle/>
                     <a:p>
-                      <a:pPr lvl="0" rtl="0">
+                      <a:pPr lvl="0" rtl="0" algn="ctr">
                         <a:spcBef>
                           <a:spcPts val="0"/>
                         </a:spcBef>
@@ -7940,7 +8393,7 @@
                     </a:bodyPr>
                     <a:lstStyle/>
                     <a:p>
-                      <a:pPr lvl="0" rtl="0">
+                      <a:pPr lvl="0" rtl="0" algn="ctr">
                         <a:spcBef>
                           <a:spcPts val="0"/>
                         </a:spcBef>
@@ -7998,7 +8451,7 @@
                     </a:bodyPr>
                     <a:lstStyle/>
                     <a:p>
-                      <a:pPr lvl="0" rtl="0">
+                      <a:pPr lvl="0" rtl="0" algn="ctr">
                         <a:spcBef>
                           <a:spcPts val="0"/>
                         </a:spcBef>
@@ -8056,7 +8509,7 @@
                     </a:bodyPr>
                     <a:lstStyle/>
                     <a:p>
-                      <a:pPr lvl="0" rtl="0">
+                      <a:pPr lvl="0" rtl="0" algn="ctr">
                         <a:spcBef>
                           <a:spcPts val="0"/>
                         </a:spcBef>
@@ -8114,7 +8567,7 @@
                     </a:bodyPr>
                     <a:lstStyle/>
                     <a:p>
-                      <a:pPr lvl="0" rtl="0">
+                      <a:pPr lvl="0" rtl="0" algn="ctr">
                         <a:spcBef>
                           <a:spcPts val="0"/>
                         </a:spcBef>
@@ -8174,7 +8627,7 @@
                     </a:bodyPr>
                     <a:lstStyle/>
                     <a:p>
-                      <a:pPr lvl="0" rtl="0">
+                      <a:pPr lvl="0" rtl="0" algn="ctr">
                         <a:spcBef>
                           <a:spcPts val="0"/>
                         </a:spcBef>
@@ -8232,7 +8685,7 @@
                     </a:bodyPr>
                     <a:lstStyle/>
                     <a:p>
-                      <a:pPr lvl="0" rtl="0">
+                      <a:pPr lvl="0" rtl="0" algn="ctr">
                         <a:spcBef>
                           <a:spcPts val="0"/>
                         </a:spcBef>
@@ -8290,7 +8743,7 @@
                     </a:bodyPr>
                     <a:lstStyle/>
                     <a:p>
-                      <a:pPr lvl="0" rtl="0">
+                      <a:pPr lvl="0" rtl="0" algn="ctr">
                         <a:spcBef>
                           <a:spcPts val="0"/>
                         </a:spcBef>
@@ -8348,7 +8801,7 @@
                     </a:bodyPr>
                     <a:lstStyle/>
                     <a:p>
-                      <a:pPr lvl="0" rtl="0">
+                      <a:pPr lvl="0" rtl="0" algn="ctr">
                         <a:spcBef>
                           <a:spcPts val="0"/>
                         </a:spcBef>
@@ -8406,7 +8859,7 @@
                     </a:bodyPr>
                     <a:lstStyle/>
                     <a:p>
-                      <a:pPr lvl="0" rtl="0">
+                      <a:pPr lvl="0" rtl="0" algn="ctr">
                         <a:spcBef>
                           <a:spcPts val="0"/>
                         </a:spcBef>
@@ -8464,7 +8917,7 @@
                     </a:bodyPr>
                     <a:lstStyle/>
                     <a:p>
-                      <a:pPr lvl="0" rtl="0">
+                      <a:pPr lvl="0" rtl="0" algn="ctr">
                         <a:spcBef>
                           <a:spcPts val="0"/>
                         </a:spcBef>
@@ -8522,7 +8975,7 @@
                     </a:bodyPr>
                     <a:lstStyle/>
                     <a:p>
-                      <a:pPr lvl="0" rtl="0">
+                      <a:pPr lvl="0" rtl="0" algn="ctr">
                         <a:spcBef>
                           <a:spcPts val="0"/>
                         </a:spcBef>
@@ -8582,7 +9035,7 @@
                     </a:bodyPr>
                     <a:lstStyle/>
                     <a:p>
-                      <a:pPr lvl="0" rtl="0">
+                      <a:pPr lvl="0" rtl="0" algn="ctr">
                         <a:spcBef>
                           <a:spcPts val="0"/>
                         </a:spcBef>
@@ -8640,7 +9093,7 @@
                     </a:bodyPr>
                     <a:lstStyle/>
                     <a:p>
-                      <a:pPr lvl="0" rtl="0">
+                      <a:pPr lvl="0" rtl="0" algn="ctr">
                         <a:spcBef>
                           <a:spcPts val="0"/>
                         </a:spcBef>
@@ -8698,7 +9151,7 @@
                     </a:bodyPr>
                     <a:lstStyle/>
                     <a:p>
-                      <a:pPr lvl="0" rtl="0">
+                      <a:pPr lvl="0" rtl="0" algn="ctr">
                         <a:spcBef>
                           <a:spcPts val="0"/>
                         </a:spcBef>
@@ -8756,7 +9209,7 @@
                     </a:bodyPr>
                     <a:lstStyle/>
                     <a:p>
-                      <a:pPr lvl="0" rtl="0">
+                      <a:pPr lvl="0" rtl="0" algn="ctr">
                         <a:spcBef>
                           <a:spcPts val="0"/>
                         </a:spcBef>
@@ -8814,7 +9267,7 @@
                     </a:bodyPr>
                     <a:lstStyle/>
                     <a:p>
-                      <a:pPr lvl="0" rtl="0">
+                      <a:pPr lvl="0" rtl="0" algn="ctr">
                         <a:spcBef>
                           <a:spcPts val="0"/>
                         </a:spcBef>
@@ -8872,7 +9325,7 @@
                     </a:bodyPr>
                     <a:lstStyle/>
                     <a:p>
-                      <a:pPr lvl="0" rtl="0">
+                      <a:pPr lvl="0" rtl="0" algn="ctr">
                         <a:spcBef>
                           <a:spcPts val="0"/>
                         </a:spcBef>
@@ -8930,7 +9383,7 @@
                     </a:bodyPr>
                     <a:lstStyle/>
                     <a:p>
-                      <a:pPr lvl="0" rtl="0">
+                      <a:pPr lvl="0" rtl="0" algn="ctr">
                         <a:spcBef>
                           <a:spcPts val="0"/>
                         </a:spcBef>
@@ -8990,7 +9443,7 @@
                     </a:bodyPr>
                     <a:lstStyle/>
                     <a:p>
-                      <a:pPr lvl="0" rtl="0">
+                      <a:pPr lvl="0" rtl="0" algn="ctr">
                         <a:spcBef>
                           <a:spcPts val="0"/>
                         </a:spcBef>
@@ -9048,7 +9501,7 @@
                     </a:bodyPr>
                     <a:lstStyle/>
                     <a:p>
-                      <a:pPr lvl="0" rtl="0">
+                      <a:pPr lvl="0" rtl="0" algn="ctr">
                         <a:spcBef>
                           <a:spcPts val="0"/>
                         </a:spcBef>
@@ -9106,7 +9559,7 @@
                     </a:bodyPr>
                     <a:lstStyle/>
                     <a:p>
-                      <a:pPr lvl="0" rtl="0">
+                      <a:pPr lvl="0" rtl="0" algn="ctr">
                         <a:spcBef>
                           <a:spcPts val="0"/>
                         </a:spcBef>
@@ -9164,7 +9617,7 @@
                     </a:bodyPr>
                     <a:lstStyle/>
                     <a:p>
-                      <a:pPr lvl="0" rtl="0">
+                      <a:pPr lvl="0" rtl="0" algn="ctr">
                         <a:spcBef>
                           <a:spcPts val="0"/>
                         </a:spcBef>
@@ -9222,7 +9675,7 @@
                     </a:bodyPr>
                     <a:lstStyle/>
                     <a:p>
-                      <a:pPr lvl="0" rtl="0">
+                      <a:pPr lvl="0" rtl="0" algn="ctr">
                         <a:spcBef>
                           <a:spcPts val="0"/>
                         </a:spcBef>
@@ -9280,7 +9733,7 @@
                     </a:bodyPr>
                     <a:lstStyle/>
                     <a:p>
-                      <a:pPr lvl="0" rtl="0">
+                      <a:pPr lvl="0" rtl="0" algn="ctr">
                         <a:spcBef>
                           <a:spcPts val="0"/>
                         </a:spcBef>
@@ -9338,7 +9791,7 @@
                     </a:bodyPr>
                     <a:lstStyle/>
                     <a:p>
-                      <a:pPr lvl="0" rtl="0">
+                      <a:pPr lvl="0" rtl="0" algn="ctr">
                         <a:spcBef>
                           <a:spcPts val="0"/>
                         </a:spcBef>
@@ -9398,7 +9851,7 @@
                     </a:bodyPr>
                     <a:lstStyle/>
                     <a:p>
-                      <a:pPr lvl="0" rtl="0">
+                      <a:pPr lvl="0" rtl="0" algn="ctr">
                         <a:spcBef>
                           <a:spcPts val="0"/>
                         </a:spcBef>
@@ -9456,7 +9909,7 @@
                     </a:bodyPr>
                     <a:lstStyle/>
                     <a:p>
-                      <a:pPr lvl="0" rtl="0">
+                      <a:pPr lvl="0" rtl="0" algn="ctr">
                         <a:spcBef>
                           <a:spcPts val="0"/>
                         </a:spcBef>
@@ -9514,7 +9967,7 @@
                     </a:bodyPr>
                     <a:lstStyle/>
                     <a:p>
-                      <a:pPr lvl="0" rtl="0">
+                      <a:pPr lvl="0" rtl="0" algn="ctr">
                         <a:spcBef>
                           <a:spcPts val="0"/>
                         </a:spcBef>
@@ -9572,7 +10025,7 @@
                     </a:bodyPr>
                     <a:lstStyle/>
                     <a:p>
-                      <a:pPr lvl="0" rtl="0">
+                      <a:pPr lvl="0" rtl="0" algn="ctr">
                         <a:spcBef>
                           <a:spcPts val="0"/>
                         </a:spcBef>
@@ -9630,7 +10083,7 @@
                     </a:bodyPr>
                     <a:lstStyle/>
                     <a:p>
-                      <a:pPr lvl="0" rtl="0">
+                      <a:pPr lvl="0" rtl="0" algn="ctr">
                         <a:spcBef>
                           <a:spcPts val="0"/>
                         </a:spcBef>
@@ -9688,7 +10141,7 @@
                     </a:bodyPr>
                     <a:lstStyle/>
                     <a:p>
-                      <a:pPr lvl="0" rtl="0">
+                      <a:pPr lvl="0" rtl="0" algn="ctr">
                         <a:spcBef>
                           <a:spcPts val="0"/>
                         </a:spcBef>
@@ -9746,7 +10199,7 @@
                     </a:bodyPr>
                     <a:lstStyle/>
                     <a:p>
-                      <a:pPr lvl="0" rtl="0">
+                      <a:pPr lvl="0" rtl="0" algn="ctr">
                         <a:spcBef>
                           <a:spcPts val="0"/>
                         </a:spcBef>
@@ -9802,184 +10255,6 @@
           </a:graphicData>
         </a:graphic>
       </p:graphicFrame>
-    </p:spTree>
-  </p:cSld>
-  <p:clrMapOvr>
-    <a:masterClrMapping/>
-  </p:clrMapOvr>
-</p:sld>
-</file>
-
-<file path=ppt/slides/slide11.xml><?xml version="1.0" encoding="utf-8"?>
-<p:sld xmlns:a="http://schemas.openxmlformats.org/drawingml/2006/main" xmlns:r="http://schemas.openxmlformats.org/officeDocument/2006/relationships" xmlns:mc="http://schemas.openxmlformats.org/markup-compatibility/2006" xmlns:mv="urn:schemas-microsoft-com:mac:vml" xmlns:p="http://schemas.openxmlformats.org/presentationml/2006/main" xmlns:c="http://schemas.openxmlformats.org/drawingml/2006/chart" xmlns:dgm="http://schemas.openxmlformats.org/drawingml/2006/diagram" xmlns:o="urn:schemas-microsoft-com:office:office" xmlns:v="urn:schemas-microsoft-com:vml" xmlns:pvml="urn:schemas-microsoft-com:office:powerpoint" xmlns:com="http://schemas.openxmlformats.org/drawingml/2006/compatibility" xmlns:p14="http://schemas.microsoft.com/office/powerpoint/2010/main">
-  <p:cSld>
-    <p:spTree>
-      <p:nvGrpSpPr>
-        <p:cNvPr id="123" name="Shape 123"/>
-        <p:cNvGrpSpPr/>
-        <p:nvPr/>
-      </p:nvGrpSpPr>
-      <p:grpSpPr>
-        <a:xfrm>
-          <a:off x="0" y="0"/>
-          <a:ext cx="0" cy="0"/>
-          <a:chOff x="0" y="0"/>
-          <a:chExt cx="0" cy="0"/>
-        </a:xfrm>
-      </p:grpSpPr>
-      <p:sp>
-        <p:nvSpPr>
-          <p:cNvPr id="124" name="Shape 124"/>
-          <p:cNvSpPr txBox="1"/>
-          <p:nvPr>
-            <p:ph type="title"/>
-          </p:nvPr>
-        </p:nvSpPr>
-        <p:spPr>
-          <a:xfrm>
-            <a:off x="311700" y="315925"/>
-            <a:ext cx="8520600" cy="831300"/>
-          </a:xfrm>
-          <a:prstGeom prst="rect">
-            <a:avLst/>
-          </a:prstGeom>
-        </p:spPr>
-        <p:txBody>
-          <a:bodyPr anchorCtr="0" anchor="b" bIns="91425" lIns="91425" rIns="91425" tIns="91425">
-            <a:noAutofit/>
-          </a:bodyPr>
-          <a:lstStyle/>
-          <a:p>
-            <a:pPr lvl="0">
-              <a:spcBef>
-                <a:spcPts val="0"/>
-              </a:spcBef>
-              <a:buNone/>
-            </a:pPr>
-            <a:r>
-              <a:rPr lang="en"/>
-              <a:t>Comparativo</a:t>
-            </a:r>
-          </a:p>
-        </p:txBody>
-      </p:sp>
-      <p:pic>
-        <p:nvPicPr>
-          <p:cNvPr id="125" name="Shape 125"/>
-          <p:cNvPicPr preferRelativeResize="0"/>
-          <p:nvPr/>
-        </p:nvPicPr>
-        <p:blipFill>
-          <a:blip r:embed="rId3">
-            <a:alphaModFix/>
-          </a:blip>
-          <a:stretch>
-            <a:fillRect/>
-          </a:stretch>
-        </p:blipFill>
-        <p:spPr>
-          <a:xfrm>
-            <a:off x="1644525" y="1147225"/>
-            <a:ext cx="5854950" cy="3525175"/>
-          </a:xfrm>
-          <a:prstGeom prst="rect">
-            <a:avLst/>
-          </a:prstGeom>
-          <a:noFill/>
-          <a:ln>
-            <a:noFill/>
-          </a:ln>
-        </p:spPr>
-      </p:pic>
-    </p:spTree>
-  </p:cSld>
-  <p:clrMapOvr>
-    <a:masterClrMapping/>
-  </p:clrMapOvr>
-</p:sld>
-</file>
-
-<file path=ppt/slides/slide12.xml><?xml version="1.0" encoding="utf-8"?>
-<p:sld xmlns:a="http://schemas.openxmlformats.org/drawingml/2006/main" xmlns:r="http://schemas.openxmlformats.org/officeDocument/2006/relationships" xmlns:mc="http://schemas.openxmlformats.org/markup-compatibility/2006" xmlns:mv="urn:schemas-microsoft-com:mac:vml" xmlns:p="http://schemas.openxmlformats.org/presentationml/2006/main" xmlns:c="http://schemas.openxmlformats.org/drawingml/2006/chart" xmlns:dgm="http://schemas.openxmlformats.org/drawingml/2006/diagram" xmlns:o="urn:schemas-microsoft-com:office:office" xmlns:v="urn:schemas-microsoft-com:vml" xmlns:pvml="urn:schemas-microsoft-com:office:powerpoint" xmlns:com="http://schemas.openxmlformats.org/drawingml/2006/compatibility" xmlns:p14="http://schemas.microsoft.com/office/powerpoint/2010/main">
-  <p:cSld>
-    <p:spTree>
-      <p:nvGrpSpPr>
-        <p:cNvPr id="129" name="Shape 129"/>
-        <p:cNvGrpSpPr/>
-        <p:nvPr/>
-      </p:nvGrpSpPr>
-      <p:grpSpPr>
-        <a:xfrm>
-          <a:off x="0" y="0"/>
-          <a:ext cx="0" cy="0"/>
-          <a:chOff x="0" y="0"/>
-          <a:chExt cx="0" cy="0"/>
-        </a:xfrm>
-      </p:grpSpPr>
-      <p:sp>
-        <p:nvSpPr>
-          <p:cNvPr id="130" name="Shape 130"/>
-          <p:cNvSpPr txBox="1"/>
-          <p:nvPr>
-            <p:ph type="title"/>
-          </p:nvPr>
-        </p:nvSpPr>
-        <p:spPr>
-          <a:xfrm>
-            <a:off x="311700" y="315925"/>
-            <a:ext cx="8520600" cy="831300"/>
-          </a:xfrm>
-          <a:prstGeom prst="rect">
-            <a:avLst/>
-          </a:prstGeom>
-        </p:spPr>
-        <p:txBody>
-          <a:bodyPr anchorCtr="0" anchor="b" bIns="91425" lIns="91425" rIns="91425" tIns="91425">
-            <a:noAutofit/>
-          </a:bodyPr>
-          <a:lstStyle/>
-          <a:p>
-            <a:pPr lvl="0">
-              <a:spcBef>
-                <a:spcPts val="0"/>
-              </a:spcBef>
-              <a:buNone/>
-            </a:pPr>
-            <a:r>
-              <a:rPr lang="en"/>
-              <a:t>Comparativo</a:t>
-            </a:r>
-          </a:p>
-        </p:txBody>
-      </p:sp>
-      <p:pic>
-        <p:nvPicPr>
-          <p:cNvPr id="131" name="Shape 131"/>
-          <p:cNvPicPr preferRelativeResize="0"/>
-          <p:nvPr/>
-        </p:nvPicPr>
-        <p:blipFill>
-          <a:blip r:embed="rId3">
-            <a:alphaModFix/>
-          </a:blip>
-          <a:stretch>
-            <a:fillRect/>
-          </a:stretch>
-        </p:blipFill>
-        <p:spPr>
-          <a:xfrm>
-            <a:off x="1637325" y="1147225"/>
-            <a:ext cx="5869350" cy="3521599"/>
-          </a:xfrm>
-          <a:prstGeom prst="rect">
-            <a:avLst/>
-          </a:prstGeom>
-          <a:noFill/>
-          <a:ln>
-            <a:noFill/>
-          </a:ln>
-        </p:spPr>
-      </p:pic>
     </p:spTree>
   </p:cSld>
   <p:clrMapOvr>
@@ -10036,6 +10311,184 @@
             </a:pPr>
             <a:r>
               <a:rPr lang="en"/>
+              <a:t>Comparativo</a:t>
+            </a:r>
+          </a:p>
+        </p:txBody>
+      </p:sp>
+      <p:pic>
+        <p:nvPicPr>
+          <p:cNvPr id="137" name="Shape 137"/>
+          <p:cNvPicPr preferRelativeResize="0"/>
+          <p:nvPr/>
+        </p:nvPicPr>
+        <p:blipFill>
+          <a:blip r:embed="rId3">
+            <a:alphaModFix/>
+          </a:blip>
+          <a:stretch>
+            <a:fillRect/>
+          </a:stretch>
+        </p:blipFill>
+        <p:spPr>
+          <a:xfrm>
+            <a:off x="1644525" y="1147225"/>
+            <a:ext cx="5854950" cy="3525175"/>
+          </a:xfrm>
+          <a:prstGeom prst="rect">
+            <a:avLst/>
+          </a:prstGeom>
+          <a:noFill/>
+          <a:ln>
+            <a:noFill/>
+          </a:ln>
+        </p:spPr>
+      </p:pic>
+    </p:spTree>
+  </p:cSld>
+  <p:clrMapOvr>
+    <a:masterClrMapping/>
+  </p:clrMapOvr>
+</p:sld>
+</file>
+
+<file path=ppt/slides/slide14.xml><?xml version="1.0" encoding="utf-8"?>
+<p:sld xmlns:a="http://schemas.openxmlformats.org/drawingml/2006/main" xmlns:r="http://schemas.openxmlformats.org/officeDocument/2006/relationships" xmlns:mc="http://schemas.openxmlformats.org/markup-compatibility/2006" xmlns:mv="urn:schemas-microsoft-com:mac:vml" xmlns:p="http://schemas.openxmlformats.org/presentationml/2006/main" xmlns:c="http://schemas.openxmlformats.org/drawingml/2006/chart" xmlns:dgm="http://schemas.openxmlformats.org/drawingml/2006/diagram" xmlns:o="urn:schemas-microsoft-com:office:office" xmlns:v="urn:schemas-microsoft-com:vml" xmlns:pvml="urn:schemas-microsoft-com:office:powerpoint" xmlns:com="http://schemas.openxmlformats.org/drawingml/2006/compatibility" xmlns:p14="http://schemas.microsoft.com/office/powerpoint/2010/main">
+  <p:cSld>
+    <p:spTree>
+      <p:nvGrpSpPr>
+        <p:cNvPr id="141" name="Shape 141"/>
+        <p:cNvGrpSpPr/>
+        <p:nvPr/>
+      </p:nvGrpSpPr>
+      <p:grpSpPr>
+        <a:xfrm>
+          <a:off x="0" y="0"/>
+          <a:ext cx="0" cy="0"/>
+          <a:chOff x="0" y="0"/>
+          <a:chExt cx="0" cy="0"/>
+        </a:xfrm>
+      </p:grpSpPr>
+      <p:sp>
+        <p:nvSpPr>
+          <p:cNvPr id="142" name="Shape 142"/>
+          <p:cNvSpPr txBox="1"/>
+          <p:nvPr>
+            <p:ph type="title"/>
+          </p:nvPr>
+        </p:nvSpPr>
+        <p:spPr>
+          <a:xfrm>
+            <a:off x="311700" y="315925"/>
+            <a:ext cx="8520600" cy="831300"/>
+          </a:xfrm>
+          <a:prstGeom prst="rect">
+            <a:avLst/>
+          </a:prstGeom>
+        </p:spPr>
+        <p:txBody>
+          <a:bodyPr anchorCtr="0" anchor="b" bIns="91425" lIns="91425" rIns="91425" tIns="91425">
+            <a:noAutofit/>
+          </a:bodyPr>
+          <a:lstStyle/>
+          <a:p>
+            <a:pPr lvl="0">
+              <a:spcBef>
+                <a:spcPts val="0"/>
+              </a:spcBef>
+              <a:buNone/>
+            </a:pPr>
+            <a:r>
+              <a:rPr lang="en"/>
+              <a:t>Comparativo</a:t>
+            </a:r>
+          </a:p>
+        </p:txBody>
+      </p:sp>
+      <p:pic>
+        <p:nvPicPr>
+          <p:cNvPr id="143" name="Shape 143"/>
+          <p:cNvPicPr preferRelativeResize="0"/>
+          <p:nvPr/>
+        </p:nvPicPr>
+        <p:blipFill>
+          <a:blip r:embed="rId3">
+            <a:alphaModFix/>
+          </a:blip>
+          <a:stretch>
+            <a:fillRect/>
+          </a:stretch>
+        </p:blipFill>
+        <p:spPr>
+          <a:xfrm>
+            <a:off x="1637325" y="1147225"/>
+            <a:ext cx="5869350" cy="3521599"/>
+          </a:xfrm>
+          <a:prstGeom prst="rect">
+            <a:avLst/>
+          </a:prstGeom>
+          <a:noFill/>
+          <a:ln>
+            <a:noFill/>
+          </a:ln>
+        </p:spPr>
+      </p:pic>
+    </p:spTree>
+  </p:cSld>
+  <p:clrMapOvr>
+    <a:masterClrMapping/>
+  </p:clrMapOvr>
+</p:sld>
+</file>
+
+<file path=ppt/slides/slide15.xml><?xml version="1.0" encoding="utf-8"?>
+<p:sld xmlns:a="http://schemas.openxmlformats.org/drawingml/2006/main" xmlns:r="http://schemas.openxmlformats.org/officeDocument/2006/relationships" xmlns:mc="http://schemas.openxmlformats.org/markup-compatibility/2006" xmlns:mv="urn:schemas-microsoft-com:mac:vml" xmlns:p="http://schemas.openxmlformats.org/presentationml/2006/main" xmlns:c="http://schemas.openxmlformats.org/drawingml/2006/chart" xmlns:dgm="http://schemas.openxmlformats.org/drawingml/2006/diagram" xmlns:o="urn:schemas-microsoft-com:office:office" xmlns:v="urn:schemas-microsoft-com:vml" xmlns:pvml="urn:schemas-microsoft-com:office:powerpoint" xmlns:com="http://schemas.openxmlformats.org/drawingml/2006/compatibility" xmlns:p14="http://schemas.microsoft.com/office/powerpoint/2010/main">
+  <p:cSld>
+    <p:spTree>
+      <p:nvGrpSpPr>
+        <p:cNvPr id="147" name="Shape 147"/>
+        <p:cNvGrpSpPr/>
+        <p:nvPr/>
+      </p:nvGrpSpPr>
+      <p:grpSpPr>
+        <a:xfrm>
+          <a:off x="0" y="0"/>
+          <a:ext cx="0" cy="0"/>
+          <a:chOff x="0" y="0"/>
+          <a:chExt cx="0" cy="0"/>
+        </a:xfrm>
+      </p:grpSpPr>
+      <p:sp>
+        <p:nvSpPr>
+          <p:cNvPr id="148" name="Shape 148"/>
+          <p:cNvSpPr txBox="1"/>
+          <p:nvPr>
+            <p:ph type="title"/>
+          </p:nvPr>
+        </p:nvSpPr>
+        <p:spPr>
+          <a:xfrm>
+            <a:off x="311700" y="315925"/>
+            <a:ext cx="8520600" cy="831300"/>
+          </a:xfrm>
+          <a:prstGeom prst="rect">
+            <a:avLst/>
+          </a:prstGeom>
+        </p:spPr>
+        <p:txBody>
+          <a:bodyPr anchorCtr="0" anchor="b" bIns="91425" lIns="91425" rIns="91425" tIns="91425">
+            <a:noAutofit/>
+          </a:bodyPr>
+          <a:lstStyle/>
+          <a:p>
+            <a:pPr lvl="0">
+              <a:spcBef>
+                <a:spcPts val="0"/>
+              </a:spcBef>
+              <a:buNone/>
+            </a:pPr>
+            <a:r>
+              <a:rPr lang="en"/>
               <a:t>Outras Medidas</a:t>
             </a:r>
           </a:p>
@@ -10043,7 +10496,7 @@
       </p:sp>
       <p:sp>
         <p:nvSpPr>
-          <p:cNvPr id="137" name="Shape 137"/>
+          <p:cNvPr id="149" name="Shape 149"/>
           <p:cNvSpPr txBox="1"/>
           <p:nvPr>
             <p:ph idx="1" type="body"/>
@@ -10522,46 +10975,34 @@
           </a:p>
         </p:txBody>
       </p:sp>
-      <p:sp>
-        <p:nvSpPr>
+      <p:pic>
+        <p:nvPicPr>
           <p:cNvPr id="81" name="Shape 81"/>
-          <p:cNvSpPr txBox="1"/>
-          <p:nvPr>
-            <p:ph idx="1" type="body"/>
-          </p:nvPr>
-        </p:nvSpPr>
+          <p:cNvPicPr preferRelativeResize="0"/>
+          <p:nvPr/>
+        </p:nvPicPr>
+        <p:blipFill>
+          <a:blip r:embed="rId3">
+            <a:alphaModFix/>
+          </a:blip>
+          <a:stretch>
+            <a:fillRect/>
+          </a:stretch>
+        </p:blipFill>
         <p:spPr>
           <a:xfrm>
-            <a:off x="311700" y="1225225"/>
-            <a:ext cx="8520600" cy="3354000"/>
+            <a:off x="2051700" y="1073200"/>
+            <a:ext cx="5040603" cy="3780452"/>
           </a:xfrm>
           <a:prstGeom prst="rect">
             <a:avLst/>
           </a:prstGeom>
+          <a:noFill/>
+          <a:ln>
+            <a:noFill/>
+          </a:ln>
         </p:spPr>
-        <p:txBody>
-          <a:bodyPr anchorCtr="0" anchor="t" bIns="91425" lIns="91425" rIns="91425" tIns="91425">
-            <a:noAutofit/>
-          </a:bodyPr>
-          <a:lstStyle/>
-          <a:p>
-            <a:pPr lvl="0" algn="ctr">
-              <a:spcBef>
-                <a:spcPts val="0"/>
-              </a:spcBef>
-              <a:buNone/>
-            </a:pPr>
-            <a:r>
-              <a:rPr lang="en">
-                <a:solidFill>
-                  <a:srgbClr val="FF0000"/>
-                </a:solidFill>
-              </a:rPr>
-              <a:t>~foto~</a:t>
-            </a:r>
-          </a:p>
-        </p:txBody>
-      </p:sp>
+      </p:pic>
     </p:spTree>
   </p:cSld>
   <p:clrMapOvr>
@@ -10618,92 +11059,39 @@
             </a:pPr>
             <a:r>
               <a:rPr lang="en"/>
-              <a:t>Simulação</a:t>
+              <a:t>Situação Atual</a:t>
             </a:r>
           </a:p>
         </p:txBody>
       </p:sp>
-      <p:sp>
-        <p:nvSpPr>
+      <p:pic>
+        <p:nvPicPr>
           <p:cNvPr id="87" name="Shape 87"/>
-          <p:cNvSpPr txBox="1"/>
-          <p:nvPr>
-            <p:ph idx="1" type="body"/>
-          </p:nvPr>
-        </p:nvSpPr>
+          <p:cNvPicPr preferRelativeResize="0"/>
+          <p:nvPr/>
+        </p:nvPicPr>
+        <p:blipFill>
+          <a:blip r:embed="rId3">
+            <a:alphaModFix/>
+          </a:blip>
+          <a:stretch>
+            <a:fillRect/>
+          </a:stretch>
+        </p:blipFill>
         <p:spPr>
           <a:xfrm>
-            <a:off x="311700" y="1225225"/>
-            <a:ext cx="8520600" cy="3354000"/>
+            <a:off x="1951863" y="1028275"/>
+            <a:ext cx="5240278" cy="3930227"/>
           </a:xfrm>
           <a:prstGeom prst="rect">
             <a:avLst/>
           </a:prstGeom>
+          <a:noFill/>
+          <a:ln>
+            <a:noFill/>
+          </a:ln>
         </p:spPr>
-        <p:txBody>
-          <a:bodyPr anchorCtr="0" anchor="t" bIns="91425" lIns="91425" rIns="91425" tIns="91425">
-            <a:noAutofit/>
-          </a:bodyPr>
-          <a:lstStyle/>
-          <a:p>
-            <a:pPr indent="-228600" lvl="0" marL="457200" rtl="0">
-              <a:spcBef>
-                <a:spcPts val="0"/>
-              </a:spcBef>
-            </a:pPr>
-            <a:r>
-              <a:rPr lang="en"/>
-              <a:t>Simulador do par de balsas para carros;</a:t>
-            </a:r>
-          </a:p>
-          <a:p>
-            <a:pPr lvl="0" rtl="0">
-              <a:spcBef>
-                <a:spcPts val="0"/>
-              </a:spcBef>
-              <a:buNone/>
-            </a:pPr>
-            <a:r>
-              <a:t/>
-            </a:r>
-            <a:endParaRPr/>
-          </a:p>
-          <a:p>
-            <a:pPr indent="-228600" lvl="0" marL="457200" rtl="0">
-              <a:spcBef>
-                <a:spcPts val="0"/>
-              </a:spcBef>
-            </a:pPr>
-            <a:r>
-              <a:rPr lang="en"/>
-              <a:t>Minutos são tratados como segundos;</a:t>
-            </a:r>
-          </a:p>
-          <a:p>
-            <a:pPr lvl="0" rtl="0">
-              <a:spcBef>
-                <a:spcPts val="0"/>
-              </a:spcBef>
-              <a:buNone/>
-            </a:pPr>
-            <a:r>
-              <a:t/>
-            </a:r>
-            <a:endParaRPr/>
-          </a:p>
-          <a:p>
-            <a:pPr indent="-228600" lvl="0" marL="457200" rtl="0">
-              <a:spcBef>
-                <a:spcPts val="0"/>
-              </a:spcBef>
-            </a:pPr>
-            <a:r>
-              <a:rPr lang="en"/>
-              <a:t>Carros são gerados aleatoriamente, conforme sua faixa de horário;</a:t>
-            </a:r>
-          </a:p>
-        </p:txBody>
-      </p:sp>
+      </p:pic>
     </p:spTree>
   </p:cSld>
   <p:clrMapOvr>
@@ -10760,6 +11148,237 @@
             </a:pPr>
             <a:r>
               <a:rPr lang="en"/>
+              <a:t>Simulação</a:t>
+            </a:r>
+          </a:p>
+        </p:txBody>
+      </p:sp>
+      <p:sp>
+        <p:nvSpPr>
+          <p:cNvPr id="93" name="Shape 93"/>
+          <p:cNvSpPr txBox="1"/>
+          <p:nvPr>
+            <p:ph idx="1" type="body"/>
+          </p:nvPr>
+        </p:nvSpPr>
+        <p:spPr>
+          <a:xfrm>
+            <a:off x="311700" y="1225225"/>
+            <a:ext cx="8520600" cy="3354000"/>
+          </a:xfrm>
+          <a:prstGeom prst="rect">
+            <a:avLst/>
+          </a:prstGeom>
+        </p:spPr>
+        <p:txBody>
+          <a:bodyPr anchorCtr="0" anchor="t" bIns="91425" lIns="91425" rIns="91425" tIns="91425">
+            <a:noAutofit/>
+          </a:bodyPr>
+          <a:lstStyle/>
+          <a:p>
+            <a:pPr indent="-228600" lvl="0" marL="457200" rtl="0">
+              <a:spcBef>
+                <a:spcPts val="0"/>
+              </a:spcBef>
+            </a:pPr>
+            <a:r>
+              <a:rPr lang="en"/>
+              <a:t>Simulador do par de balsas para carros;</a:t>
+            </a:r>
+          </a:p>
+          <a:p>
+            <a:pPr lvl="0" rtl="0">
+              <a:spcBef>
+                <a:spcPts val="0"/>
+              </a:spcBef>
+              <a:buNone/>
+            </a:pPr>
+            <a:r>
+              <a:t/>
+            </a:r>
+            <a:endParaRPr/>
+          </a:p>
+          <a:p>
+            <a:pPr indent="-228600" lvl="0" marL="457200" rtl="0">
+              <a:spcBef>
+                <a:spcPts val="0"/>
+              </a:spcBef>
+            </a:pPr>
+            <a:r>
+              <a:rPr lang="en"/>
+              <a:t>Minutos são tratados como segundos;</a:t>
+            </a:r>
+          </a:p>
+          <a:p>
+            <a:pPr lvl="0" rtl="0">
+              <a:spcBef>
+                <a:spcPts val="0"/>
+              </a:spcBef>
+              <a:buNone/>
+            </a:pPr>
+            <a:r>
+              <a:t/>
+            </a:r>
+            <a:endParaRPr/>
+          </a:p>
+          <a:p>
+            <a:pPr indent="-228600" lvl="0" marL="457200" rtl="0">
+              <a:spcBef>
+                <a:spcPts val="0"/>
+              </a:spcBef>
+            </a:pPr>
+            <a:r>
+              <a:rPr lang="en"/>
+              <a:t>Carros são gerados aleatoriamente, conforme sua faixa de horário;</a:t>
+            </a:r>
+          </a:p>
+        </p:txBody>
+      </p:sp>
+    </p:spTree>
+  </p:cSld>
+  <p:clrMapOvr>
+    <a:masterClrMapping/>
+  </p:clrMapOvr>
+</p:sld>
+</file>
+
+<file path=ppt/slides/slide7.xml><?xml version="1.0" encoding="utf-8"?>
+<p:sld xmlns:a="http://schemas.openxmlformats.org/drawingml/2006/main" xmlns:r="http://schemas.openxmlformats.org/officeDocument/2006/relationships" xmlns:mc="http://schemas.openxmlformats.org/markup-compatibility/2006" xmlns:mv="urn:schemas-microsoft-com:mac:vml" xmlns:p="http://schemas.openxmlformats.org/presentationml/2006/main" xmlns:c="http://schemas.openxmlformats.org/drawingml/2006/chart" xmlns:dgm="http://schemas.openxmlformats.org/drawingml/2006/diagram" xmlns:o="urn:schemas-microsoft-com:office:office" xmlns:v="urn:schemas-microsoft-com:vml" xmlns:pvml="urn:schemas-microsoft-com:office:powerpoint" xmlns:com="http://schemas.openxmlformats.org/drawingml/2006/compatibility" xmlns:p14="http://schemas.microsoft.com/office/powerpoint/2010/main">
+  <p:cSld>
+    <p:spTree>
+      <p:nvGrpSpPr>
+        <p:cNvPr id="97" name="Shape 97"/>
+        <p:cNvGrpSpPr/>
+        <p:nvPr/>
+      </p:nvGrpSpPr>
+      <p:grpSpPr>
+        <a:xfrm>
+          <a:off x="0" y="0"/>
+          <a:ext cx="0" cy="0"/>
+          <a:chOff x="0" y="0"/>
+          <a:chExt cx="0" cy="0"/>
+        </a:xfrm>
+      </p:grpSpPr>
+      <p:sp>
+        <p:nvSpPr>
+          <p:cNvPr id="98" name="Shape 98"/>
+          <p:cNvSpPr txBox="1"/>
+          <p:nvPr>
+            <p:ph type="title"/>
+          </p:nvPr>
+        </p:nvSpPr>
+        <p:spPr>
+          <a:xfrm>
+            <a:off x="311700" y="315925"/>
+            <a:ext cx="8520600" cy="831300"/>
+          </a:xfrm>
+          <a:prstGeom prst="rect">
+            <a:avLst/>
+          </a:prstGeom>
+        </p:spPr>
+        <p:txBody>
+          <a:bodyPr anchorCtr="0" anchor="b" bIns="91425" lIns="91425" rIns="91425" tIns="91425">
+            <a:noAutofit/>
+          </a:bodyPr>
+          <a:lstStyle/>
+          <a:p>
+            <a:pPr lvl="0">
+              <a:spcBef>
+                <a:spcPts val="0"/>
+              </a:spcBef>
+              <a:buNone/>
+            </a:pPr>
+            <a:r>
+              <a:rPr lang="en"/>
+              <a:t>Diagrama de Sequência</a:t>
+            </a:r>
+          </a:p>
+        </p:txBody>
+      </p:sp>
+      <p:pic>
+        <p:nvPicPr>
+          <p:cNvPr id="99" name="Shape 99"/>
+          <p:cNvPicPr preferRelativeResize="0"/>
+          <p:nvPr/>
+        </p:nvPicPr>
+        <p:blipFill>
+          <a:blip r:embed="rId3">
+            <a:alphaModFix/>
+          </a:blip>
+          <a:stretch>
+            <a:fillRect/>
+          </a:stretch>
+        </p:blipFill>
+        <p:spPr>
+          <a:xfrm>
+            <a:off x="1960450" y="1100050"/>
+            <a:ext cx="4989174" cy="3905249"/>
+          </a:xfrm>
+          <a:prstGeom prst="rect">
+            <a:avLst/>
+          </a:prstGeom>
+          <a:noFill/>
+          <a:ln>
+            <a:noFill/>
+          </a:ln>
+        </p:spPr>
+      </p:pic>
+    </p:spTree>
+  </p:cSld>
+  <p:clrMapOvr>
+    <a:masterClrMapping/>
+  </p:clrMapOvr>
+</p:sld>
+</file>
+
+<file path=ppt/slides/slide8.xml><?xml version="1.0" encoding="utf-8"?>
+<p:sld xmlns:a="http://schemas.openxmlformats.org/drawingml/2006/main" xmlns:r="http://schemas.openxmlformats.org/officeDocument/2006/relationships" xmlns:mc="http://schemas.openxmlformats.org/markup-compatibility/2006" xmlns:mv="urn:schemas-microsoft-com:mac:vml" xmlns:p="http://schemas.openxmlformats.org/presentationml/2006/main" xmlns:c="http://schemas.openxmlformats.org/drawingml/2006/chart" xmlns:dgm="http://schemas.openxmlformats.org/drawingml/2006/diagram" xmlns:o="urn:schemas-microsoft-com:office:office" xmlns:v="urn:schemas-microsoft-com:vml" xmlns:pvml="urn:schemas-microsoft-com:office:powerpoint" xmlns:com="http://schemas.openxmlformats.org/drawingml/2006/compatibility" xmlns:p14="http://schemas.microsoft.com/office/powerpoint/2010/main">
+  <p:cSld>
+    <p:spTree>
+      <p:nvGrpSpPr>
+        <p:cNvPr id="103" name="Shape 103"/>
+        <p:cNvGrpSpPr/>
+        <p:nvPr/>
+      </p:nvGrpSpPr>
+      <p:grpSpPr>
+        <a:xfrm>
+          <a:off x="0" y="0"/>
+          <a:ext cx="0" cy="0"/>
+          <a:chOff x="0" y="0"/>
+          <a:chExt cx="0" cy="0"/>
+        </a:xfrm>
+      </p:grpSpPr>
+      <p:sp>
+        <p:nvSpPr>
+          <p:cNvPr id="104" name="Shape 104"/>
+          <p:cNvSpPr txBox="1"/>
+          <p:nvPr>
+            <p:ph type="title"/>
+          </p:nvPr>
+        </p:nvSpPr>
+        <p:spPr>
+          <a:xfrm>
+            <a:off x="311700" y="315925"/>
+            <a:ext cx="8520600" cy="831300"/>
+          </a:xfrm>
+          <a:prstGeom prst="rect">
+            <a:avLst/>
+          </a:prstGeom>
+        </p:spPr>
+        <p:txBody>
+          <a:bodyPr anchorCtr="0" anchor="b" bIns="91425" lIns="91425" rIns="91425" tIns="91425">
+            <a:noAutofit/>
+          </a:bodyPr>
+          <a:lstStyle/>
+          <a:p>
+            <a:pPr lvl="0">
+              <a:spcBef>
+                <a:spcPts val="0"/>
+              </a:spcBef>
+              <a:buNone/>
+            </a:pPr>
+            <a:r>
+              <a:rPr lang="en"/>
               <a:t>Simulação de Fila Ocasionada</a:t>
             </a:r>
           </a:p>
@@ -10767,7 +11386,7 @@
       </p:sp>
       <p:graphicFrame>
         <p:nvGraphicFramePr>
-          <p:cNvPr id="93" name="Shape 93"/>
+          <p:cNvPr id="105" name="Shape 105"/>
           <p:cNvGraphicFramePr/>
           <p:nvPr/>
         </p:nvGraphicFramePr>
@@ -10780,7 +11399,7 @@
             <a:tbl>
               <a:tblPr>
                 <a:noFill/>
-                <a:tableStyleId>{DE71D112-B003-4A03-B15F-263DC69B3AEF}</a:tableStyleId>
+                <a:tableStyleId>{C512E846-A763-41E9-98F6-7F56F1C81EAE}</a:tableStyleId>
               </a:tblPr>
               <a:tblGrid>
                 <a:gridCol w="578425"/>
@@ -14877,7 +15496,7 @@
       </p:graphicFrame>
       <p:sp>
         <p:nvSpPr>
-          <p:cNvPr id="94" name="Shape 94"/>
+          <p:cNvPr id="106" name="Shape 106"/>
           <p:cNvSpPr txBox="1"/>
           <p:nvPr/>
         </p:nvSpPr>
@@ -14909,313 +15528,6 @@
             <a:r>
               <a:rPr lang="en"/>
               <a:t>Os números de chegada no sistema da tabela foram gerados de forma aleatória, seguindo o padrão do horário de pico, das 17:30 as 19:30.</a:t>
-            </a:r>
-          </a:p>
-        </p:txBody>
-      </p:sp>
-    </p:spTree>
-  </p:cSld>
-  <p:clrMapOvr>
-    <a:masterClrMapping/>
-  </p:clrMapOvr>
-</p:sld>
-</file>
-
-<file path=ppt/slides/slide7.xml><?xml version="1.0" encoding="utf-8"?>
-<p:sld xmlns:a="http://schemas.openxmlformats.org/drawingml/2006/main" xmlns:r="http://schemas.openxmlformats.org/officeDocument/2006/relationships" xmlns:mc="http://schemas.openxmlformats.org/markup-compatibility/2006" xmlns:mv="urn:schemas-microsoft-com:mac:vml" xmlns:p="http://schemas.openxmlformats.org/presentationml/2006/main" xmlns:c="http://schemas.openxmlformats.org/drawingml/2006/chart" xmlns:dgm="http://schemas.openxmlformats.org/drawingml/2006/diagram" xmlns:o="urn:schemas-microsoft-com:office:office" xmlns:v="urn:schemas-microsoft-com:vml" xmlns:pvml="urn:schemas-microsoft-com:office:powerpoint" xmlns:com="http://schemas.openxmlformats.org/drawingml/2006/compatibility" xmlns:p14="http://schemas.microsoft.com/office/powerpoint/2010/main">
-  <p:cSld>
-    <p:spTree>
-      <p:nvGrpSpPr>
-        <p:cNvPr id="98" name="Shape 98"/>
-        <p:cNvGrpSpPr/>
-        <p:nvPr/>
-      </p:nvGrpSpPr>
-      <p:grpSpPr>
-        <a:xfrm>
-          <a:off x="0" y="0"/>
-          <a:ext cx="0" cy="0"/>
-          <a:chOff x="0" y="0"/>
-          <a:chExt cx="0" cy="0"/>
-        </a:xfrm>
-      </p:grpSpPr>
-      <p:sp>
-        <p:nvSpPr>
-          <p:cNvPr id="99" name="Shape 99"/>
-          <p:cNvSpPr txBox="1"/>
-          <p:nvPr>
-            <p:ph type="title"/>
-          </p:nvPr>
-        </p:nvSpPr>
-        <p:spPr>
-          <a:xfrm>
-            <a:off x="311700" y="315925"/>
-            <a:ext cx="8520600" cy="831300"/>
-          </a:xfrm>
-          <a:prstGeom prst="rect">
-            <a:avLst/>
-          </a:prstGeom>
-        </p:spPr>
-        <p:txBody>
-          <a:bodyPr anchorCtr="0" anchor="b" bIns="91425" lIns="91425" rIns="91425" tIns="91425">
-            <a:noAutofit/>
-          </a:bodyPr>
-          <a:lstStyle/>
-          <a:p>
-            <a:pPr lvl="0">
-              <a:spcBef>
-                <a:spcPts val="0"/>
-              </a:spcBef>
-              <a:buNone/>
-            </a:pPr>
-            <a:r>
-              <a:rPr lang="en"/>
-              <a:t>Justificativa</a:t>
-            </a:r>
-          </a:p>
-        </p:txBody>
-      </p:sp>
-      <p:sp>
-        <p:nvSpPr>
-          <p:cNvPr id="100" name="Shape 100"/>
-          <p:cNvSpPr txBox="1"/>
-          <p:nvPr>
-            <p:ph idx="1" type="body"/>
-          </p:nvPr>
-        </p:nvSpPr>
-        <p:spPr>
-          <a:xfrm>
-            <a:off x="311700" y="1225225"/>
-            <a:ext cx="8520600" cy="3354000"/>
-          </a:xfrm>
-          <a:prstGeom prst="rect">
-            <a:avLst/>
-          </a:prstGeom>
-        </p:spPr>
-        <p:txBody>
-          <a:bodyPr anchorCtr="0" anchor="t" bIns="91425" lIns="91425" rIns="91425" tIns="91425">
-            <a:noAutofit/>
-          </a:bodyPr>
-          <a:lstStyle/>
-          <a:p>
-            <a:pPr indent="-228600" lvl="0" marL="457200" rtl="0">
-              <a:spcBef>
-                <a:spcPts val="0"/>
-              </a:spcBef>
-            </a:pPr>
-            <a:r>
-              <a:rPr lang="en"/>
-              <a:t>Grande fluxo de carros;</a:t>
-            </a:r>
-          </a:p>
-          <a:p>
-            <a:pPr lvl="0" rtl="0">
-              <a:spcBef>
-                <a:spcPts val="0"/>
-              </a:spcBef>
-              <a:buNone/>
-            </a:pPr>
-            <a:r>
-              <a:t/>
-            </a:r>
-            <a:endParaRPr/>
-          </a:p>
-          <a:p>
-            <a:pPr indent="-228600" lvl="0" marL="457200" rtl="0">
-              <a:spcBef>
-                <a:spcPts val="0"/>
-              </a:spcBef>
-            </a:pPr>
-            <a:r>
-              <a:rPr lang="en"/>
-              <a:t>Trânsito caótico em horários de pico;</a:t>
-            </a:r>
-          </a:p>
-          <a:p>
-            <a:pPr lvl="0" rtl="0">
-              <a:spcBef>
-                <a:spcPts val="0"/>
-              </a:spcBef>
-              <a:buNone/>
-            </a:pPr>
-            <a:r>
-              <a:t/>
-            </a:r>
-            <a:endParaRPr/>
-          </a:p>
-          <a:p>
-            <a:pPr indent="-228600" lvl="0" marL="457200" rtl="0">
-              <a:spcBef>
-                <a:spcPts val="0"/>
-              </a:spcBef>
-            </a:pPr>
-            <a:r>
-              <a:rPr lang="en"/>
-              <a:t>Atrasos;</a:t>
-            </a:r>
-          </a:p>
-          <a:p>
-            <a:pPr lvl="0" rtl="0">
-              <a:spcBef>
-                <a:spcPts val="0"/>
-              </a:spcBef>
-              <a:buNone/>
-            </a:pPr>
-            <a:r>
-              <a:t/>
-            </a:r>
-            <a:endParaRPr/>
-          </a:p>
-          <a:p>
-            <a:pPr indent="-228600" lvl="0" marL="457200" rtl="0">
-              <a:spcBef>
-                <a:spcPts val="0"/>
-              </a:spcBef>
-            </a:pPr>
-            <a:r>
-              <a:rPr lang="en"/>
-              <a:t>Congestionamento frequente em época de fim de ano.</a:t>
-            </a:r>
-          </a:p>
-        </p:txBody>
-      </p:sp>
-    </p:spTree>
-  </p:cSld>
-  <p:clrMapOvr>
-    <a:masterClrMapping/>
-  </p:clrMapOvr>
-</p:sld>
-</file>
-
-<file path=ppt/slides/slide8.xml><?xml version="1.0" encoding="utf-8"?>
-<p:sld xmlns:a="http://schemas.openxmlformats.org/drawingml/2006/main" xmlns:r="http://schemas.openxmlformats.org/officeDocument/2006/relationships" xmlns:mc="http://schemas.openxmlformats.org/markup-compatibility/2006" xmlns:mv="urn:schemas-microsoft-com:mac:vml" xmlns:p="http://schemas.openxmlformats.org/presentationml/2006/main" xmlns:c="http://schemas.openxmlformats.org/drawingml/2006/chart" xmlns:dgm="http://schemas.openxmlformats.org/drawingml/2006/diagram" xmlns:o="urn:schemas-microsoft-com:office:office" xmlns:v="urn:schemas-microsoft-com:vml" xmlns:pvml="urn:schemas-microsoft-com:office:powerpoint" xmlns:com="http://schemas.openxmlformats.org/drawingml/2006/compatibility" xmlns:p14="http://schemas.microsoft.com/office/powerpoint/2010/main">
-  <p:cSld>
-    <p:spTree>
-      <p:nvGrpSpPr>
-        <p:cNvPr id="104" name="Shape 104"/>
-        <p:cNvGrpSpPr/>
-        <p:nvPr/>
-      </p:nvGrpSpPr>
-      <p:grpSpPr>
-        <a:xfrm>
-          <a:off x="0" y="0"/>
-          <a:ext cx="0" cy="0"/>
-          <a:chOff x="0" y="0"/>
-          <a:chExt cx="0" cy="0"/>
-        </a:xfrm>
-      </p:grpSpPr>
-      <p:sp>
-        <p:nvSpPr>
-          <p:cNvPr id="105" name="Shape 105"/>
-          <p:cNvSpPr txBox="1"/>
-          <p:nvPr>
-            <p:ph type="title"/>
-          </p:nvPr>
-        </p:nvSpPr>
-        <p:spPr>
-          <a:xfrm>
-            <a:off x="311700" y="315925"/>
-            <a:ext cx="8520600" cy="831300"/>
-          </a:xfrm>
-          <a:prstGeom prst="rect">
-            <a:avLst/>
-          </a:prstGeom>
-        </p:spPr>
-        <p:txBody>
-          <a:bodyPr anchorCtr="0" anchor="b" bIns="91425" lIns="91425" rIns="91425" tIns="91425">
-            <a:noAutofit/>
-          </a:bodyPr>
-          <a:lstStyle/>
-          <a:p>
-            <a:pPr lvl="0">
-              <a:spcBef>
-                <a:spcPts val="0"/>
-              </a:spcBef>
-              <a:buNone/>
-            </a:pPr>
-            <a:r>
-              <a:rPr lang="en"/>
-              <a:t>Motivação Pessoal</a:t>
-            </a:r>
-          </a:p>
-        </p:txBody>
-      </p:sp>
-      <p:sp>
-        <p:nvSpPr>
-          <p:cNvPr id="106" name="Shape 106"/>
-          <p:cNvSpPr txBox="1"/>
-          <p:nvPr>
-            <p:ph idx="1" type="body"/>
-          </p:nvPr>
-        </p:nvSpPr>
-        <p:spPr>
-          <a:xfrm>
-            <a:off x="311700" y="1225225"/>
-            <a:ext cx="8520600" cy="3354000"/>
-          </a:xfrm>
-          <a:prstGeom prst="rect">
-            <a:avLst/>
-          </a:prstGeom>
-        </p:spPr>
-        <p:txBody>
-          <a:bodyPr anchorCtr="0" anchor="t" bIns="91425" lIns="91425" rIns="91425" tIns="91425">
-            <a:noAutofit/>
-          </a:bodyPr>
-          <a:lstStyle/>
-          <a:p>
-            <a:pPr indent="-228600" lvl="0" marL="457200" rtl="0">
-              <a:spcBef>
-                <a:spcPts val="0"/>
-              </a:spcBef>
-            </a:pPr>
-            <a:r>
-              <a:rPr lang="en"/>
-              <a:t>Utilização frequente da travessia;</a:t>
-            </a:r>
-          </a:p>
-          <a:p>
-            <a:pPr lvl="0" rtl="0">
-              <a:spcBef>
-                <a:spcPts val="0"/>
-              </a:spcBef>
-              <a:buNone/>
-            </a:pPr>
-            <a:r>
-              <a:t/>
-            </a:r>
-            <a:endParaRPr/>
-          </a:p>
-          <a:p>
-            <a:pPr indent="-228600" lvl="0" marL="457200" rtl="0">
-              <a:spcBef>
-                <a:spcPts val="0"/>
-              </a:spcBef>
-            </a:pPr>
-            <a:r>
-              <a:rPr lang="en"/>
-              <a:t>Utilização diária das BR;</a:t>
-            </a:r>
-          </a:p>
-          <a:p>
-            <a:pPr lvl="0" rtl="0">
-              <a:spcBef>
-                <a:spcPts val="0"/>
-              </a:spcBef>
-              <a:buNone/>
-            </a:pPr>
-            <a:r>
-              <a:t/>
-            </a:r>
-            <a:endParaRPr/>
-          </a:p>
-          <a:p>
-            <a:pPr indent="-228600" lvl="0" marL="457200" rtl="0">
-              <a:spcBef>
-                <a:spcPts val="0"/>
-              </a:spcBef>
-            </a:pPr>
-            <a:r>
-              <a:rPr lang="en"/>
-              <a:t>Familiares que trabalham no local e relataram os problemas;</a:t>
             </a:r>
           </a:p>
         </p:txBody>
@@ -15276,7 +15588,7 @@
             </a:pPr>
             <a:r>
               <a:rPr lang="en"/>
-              <a:t>Impacto Social</a:t>
+              <a:t>Justificativa</a:t>
             </a:r>
           </a:p>
         </p:txBody>
@@ -15311,7 +15623,7 @@
             </a:pPr>
             <a:r>
               <a:rPr lang="en"/>
-              <a:t>O problema apresentado atrapalha a rotina de todos os envolvidos principalmente no verão, sejam trabalhadores, turistas, estudantes e etc;</a:t>
+              <a:t>Grande fluxo de carros;</a:t>
             </a:r>
           </a:p>
           <a:p>
@@ -15334,7 +15646,53 @@
             </a:pPr>
             <a:r>
               <a:rPr lang="en"/>
-              <a:t>Uma redução nas filas proporcionaria uma reação em cadeia em todo o fluxo da cidade;</a:t>
+              <a:t>Trânsito caótico em horários de pico;</a:t>
+            </a:r>
+          </a:p>
+          <a:p>
+            <a:pPr lvl="0" rtl="0">
+              <a:spcBef>
+                <a:spcPts val="0"/>
+              </a:spcBef>
+              <a:buNone/>
+            </a:pPr>
+            <a:r>
+              <a:t/>
+            </a:r>
+            <a:endParaRPr/>
+          </a:p>
+          <a:p>
+            <a:pPr indent="-228600" lvl="0" marL="457200" rtl="0">
+              <a:spcBef>
+                <a:spcPts val="0"/>
+              </a:spcBef>
+            </a:pPr>
+            <a:r>
+              <a:rPr lang="en"/>
+              <a:t>Atrasos;</a:t>
+            </a:r>
+          </a:p>
+          <a:p>
+            <a:pPr lvl="0" rtl="0">
+              <a:spcBef>
+                <a:spcPts val="0"/>
+              </a:spcBef>
+              <a:buNone/>
+            </a:pPr>
+            <a:r>
+              <a:t/>
+            </a:r>
+            <a:endParaRPr/>
+          </a:p>
+          <a:p>
+            <a:pPr indent="-228600" lvl="0" marL="457200" rtl="0">
+              <a:spcBef>
+                <a:spcPts val="0"/>
+              </a:spcBef>
+            </a:pPr>
+            <a:r>
+              <a:rPr lang="en"/>
+              <a:t>Congestionamento frequente em época de fim de ano.</a:t>
             </a:r>
           </a:p>
         </p:txBody>
